--- a/idioms/threat-actor/leveraged-ttp/diagram.pptx
+++ b/idioms/threat-actor/leveraged-ttp/diagram.pptx
@@ -288,7 +288,7 @@
           <a:p>
             <a:fld id="{13F24B86-36D2-4655-BE2F-98B661AC85E1}" type="datetimeFigureOut">
               <a:rPr lang="en-US" smtClean="0"/>
-              <a:t>3/25/2014</a:t>
+              <a:t>3/27/2014</a:t>
             </a:fld>
             <a:endParaRPr lang="en-US"/>
           </a:p>
@@ -458,7 +458,7 @@
           <a:p>
             <a:fld id="{13F24B86-36D2-4655-BE2F-98B661AC85E1}" type="datetimeFigureOut">
               <a:rPr lang="en-US" smtClean="0"/>
-              <a:t>3/25/2014</a:t>
+              <a:t>3/27/2014</a:t>
             </a:fld>
             <a:endParaRPr lang="en-US"/>
           </a:p>
@@ -638,7 +638,7 @@
           <a:p>
             <a:fld id="{13F24B86-36D2-4655-BE2F-98B661AC85E1}" type="datetimeFigureOut">
               <a:rPr lang="en-US" smtClean="0"/>
-              <a:t>3/25/2014</a:t>
+              <a:t>3/27/2014</a:t>
             </a:fld>
             <a:endParaRPr lang="en-US"/>
           </a:p>
@@ -808,7 +808,7 @@
           <a:p>
             <a:fld id="{13F24B86-36D2-4655-BE2F-98B661AC85E1}" type="datetimeFigureOut">
               <a:rPr lang="en-US" smtClean="0"/>
-              <a:t>3/25/2014</a:t>
+              <a:t>3/27/2014</a:t>
             </a:fld>
             <a:endParaRPr lang="en-US"/>
           </a:p>
@@ -1054,7 +1054,7 @@
           <a:p>
             <a:fld id="{13F24B86-36D2-4655-BE2F-98B661AC85E1}" type="datetimeFigureOut">
               <a:rPr lang="en-US" smtClean="0"/>
-              <a:t>3/25/2014</a:t>
+              <a:t>3/27/2014</a:t>
             </a:fld>
             <a:endParaRPr lang="en-US"/>
           </a:p>
@@ -1342,7 +1342,7 @@
           <a:p>
             <a:fld id="{13F24B86-36D2-4655-BE2F-98B661AC85E1}" type="datetimeFigureOut">
               <a:rPr lang="en-US" smtClean="0"/>
-              <a:t>3/25/2014</a:t>
+              <a:t>3/27/2014</a:t>
             </a:fld>
             <a:endParaRPr lang="en-US"/>
           </a:p>
@@ -1764,7 +1764,7 @@
           <a:p>
             <a:fld id="{13F24B86-36D2-4655-BE2F-98B661AC85E1}" type="datetimeFigureOut">
               <a:rPr lang="en-US" smtClean="0"/>
-              <a:t>3/25/2014</a:t>
+              <a:t>3/27/2014</a:t>
             </a:fld>
             <a:endParaRPr lang="en-US"/>
           </a:p>
@@ -1882,7 +1882,7 @@
           <a:p>
             <a:fld id="{13F24B86-36D2-4655-BE2F-98B661AC85E1}" type="datetimeFigureOut">
               <a:rPr lang="en-US" smtClean="0"/>
-              <a:t>3/25/2014</a:t>
+              <a:t>3/27/2014</a:t>
             </a:fld>
             <a:endParaRPr lang="en-US"/>
           </a:p>
@@ -1977,7 +1977,7 @@
           <a:p>
             <a:fld id="{13F24B86-36D2-4655-BE2F-98B661AC85E1}" type="datetimeFigureOut">
               <a:rPr lang="en-US" smtClean="0"/>
-              <a:t>3/25/2014</a:t>
+              <a:t>3/27/2014</a:t>
             </a:fld>
             <a:endParaRPr lang="en-US"/>
           </a:p>
@@ -2254,7 +2254,7 @@
           <a:p>
             <a:fld id="{13F24B86-36D2-4655-BE2F-98B661AC85E1}" type="datetimeFigureOut">
               <a:rPr lang="en-US" smtClean="0"/>
-              <a:t>3/25/2014</a:t>
+              <a:t>3/27/2014</a:t>
             </a:fld>
             <a:endParaRPr lang="en-US"/>
           </a:p>
@@ -2507,7 +2507,7 @@
           <a:p>
             <a:fld id="{13F24B86-36D2-4655-BE2F-98B661AC85E1}" type="datetimeFigureOut">
               <a:rPr lang="en-US" smtClean="0"/>
-              <a:t>3/25/2014</a:t>
+              <a:t>3/27/2014</a:t>
             </a:fld>
             <a:endParaRPr lang="en-US"/>
           </a:p>
@@ -2720,7 +2720,7 @@
           <a:p>
             <a:fld id="{13F24B86-36D2-4655-BE2F-98B661AC85E1}" type="datetimeFigureOut">
               <a:rPr lang="en-US" smtClean="0"/>
-              <a:t>3/25/2014</a:t>
+              <a:t>3/27/2014</a:t>
             </a:fld>
             <a:endParaRPr lang="en-US"/>
           </a:p>
@@ -3104,14 +3104,14 @@
           <p:nvPr>
             <p:extLst>
               <p:ext uri="{D42A27DB-BD31-4B8C-83A1-F6EECF244321}">
-                <p14:modId xmlns:p14="http://schemas.microsoft.com/office/powerpoint/2010/main" val="974966672"/>
+                <p14:modId xmlns:p14="http://schemas.microsoft.com/office/powerpoint/2010/main" val="2252262906"/>
               </p:ext>
             </p:extLst>
           </p:nvPr>
         </p:nvGraphicFramePr>
         <p:xfrm>
           <a:off x="107407" y="2103082"/>
-          <a:ext cx="4912268" cy="3352800"/>
+          <a:ext cx="4912268" cy="3611880"/>
         </p:xfrm>
         <a:graphic>
           <a:graphicData uri="http://schemas.openxmlformats.org/drawingml/2006/table">
@@ -3276,7 +3276,6 @@
                         <a:rPr lang="en-US" sz="1100" dirty="0" smtClean="0"/>
                         <a:t>example:threatactor-9a8a0d25-7636-429b-a99e-b2a73cd0f11f</a:t>
                       </a:r>
-                      <a:endParaRPr lang="en-US" sz="1100" dirty="0" smtClean="0"/>
                     </a:p>
                   </a:txBody>
                   <a:tcPr>
@@ -3361,7 +3360,6 @@
                         <a:rPr lang="en-US" sz="1100" dirty="0" smtClean="0"/>
                         <a:t>Adversary Bravo</a:t>
                       </a:r>
-                      <a:endParaRPr lang="en-US" sz="1100" dirty="0" smtClean="0"/>
                     </a:p>
                   </a:txBody>
                   <a:tcPr>
@@ -3546,11 +3544,7 @@
                     <a:p>
                       <a:r>
                         <a:rPr lang="en-US" sz="1100" dirty="0" smtClean="0"/>
-                        <a:t>    </a:t>
-                      </a:r>
-                      <a:r>
-                        <a:rPr lang="en-US" sz="1100" dirty="0" smtClean="0"/>
-                        <a:t>Name</a:t>
+                        <a:t>    Name</a:t>
                       </a:r>
                       <a:endParaRPr lang="en-US" sz="1100" b="0" dirty="0"/>
                     </a:p>
@@ -3585,7 +3579,6 @@
                         <a:rPr lang="en-US" sz="1100" b="0" dirty="0" smtClean="0"/>
                         <a:t>Adversary Bravo</a:t>
                       </a:r>
-                      <a:endParaRPr lang="en-US" sz="1100" b="0" dirty="0" smtClean="0"/>
                     </a:p>
                   </a:txBody>
                   <a:tcPr>
@@ -3650,7 +3643,7 @@
                     <a:p>
                       <a:r>
                         <a:rPr lang="en-US" sz="1100" b="0" dirty="0" smtClean="0"/>
-                        <a:t>Leveraged TTPs</a:t>
+                        <a:t>Observed TTP</a:t>
                       </a:r>
                       <a:endParaRPr lang="en-US" sz="1100" b="0" dirty="0"/>
                     </a:p>
@@ -4133,7 +4126,6 @@
                         <a:rPr lang="en-US" sz="1100" b="0" dirty="0" smtClean="0"/>
                         <a:t>Leverages Attack Pattern</a:t>
                       </a:r>
-                      <a:endParaRPr lang="en-US" sz="1100" b="0" dirty="0" smtClean="0"/>
                     </a:p>
                   </a:txBody>
                   <a:tcPr>
@@ -4234,6 +4226,102 @@
                       <a:prstDash val="solid"/>
                     </a:lnBlToTr>
                   </a:tcPr>
+                </a:tc>
+              </a:tr>
+              <a:tr h="144405">
+                <a:tc>
+                  <a:txBody>
+                    <a:bodyPr/>
+                    <a:lstStyle/>
+                    <a:p>
+                      <a:r>
+                        <a:rPr lang="en-US" sz="1100" b="0" dirty="0" smtClean="0"/>
+                        <a:t>Observed TTP</a:t>
+                      </a:r>
+                      <a:endParaRPr lang="en-US" sz="1100" b="0" dirty="0"/>
+                    </a:p>
+                  </a:txBody>
+                  <a:tcPr>
+                    <a:lnL w="12700" cap="flat" cmpd="sng" algn="ctr">
+                      <a:solidFill>
+                        <a:schemeClr val="tx1"/>
+                      </a:solidFill>
+                      <a:prstDash val="solid"/>
+                      <a:round/>
+                      <a:headEnd type="none" w="med" len="med"/>
+                      <a:tailEnd type="none" w="med" len="med"/>
+                    </a:lnL>
+                    <a:lnR w="12700" cap="flat" cmpd="sng" algn="ctr">
+                      <a:solidFill>
+                        <a:schemeClr val="tx1"/>
+                      </a:solidFill>
+                      <a:prstDash val="solid"/>
+                      <a:round/>
+                      <a:headEnd type="none" w="med" len="med"/>
+                      <a:tailEnd type="none" w="med" len="med"/>
+                    </a:lnR>
+                  </a:tcPr>
+                </a:tc>
+                <a:tc gridSpan="2">
+                  <a:txBody>
+                    <a:bodyPr/>
+                    <a:lstStyle/>
+                    <a:p>
+                      <a:endParaRPr lang="en-US" sz="1100" b="0" dirty="0" smtClean="0"/>
+                    </a:p>
+                  </a:txBody>
+                  <a:tcPr>
+                    <a:lnL w="12700" cap="flat" cmpd="sng" algn="ctr">
+                      <a:solidFill>
+                        <a:schemeClr val="tx1"/>
+                      </a:solidFill>
+                      <a:prstDash val="solid"/>
+                      <a:round/>
+                      <a:headEnd type="none" w="med" len="med"/>
+                      <a:tailEnd type="none" w="med" len="med"/>
+                    </a:lnL>
+                    <a:lnR w="12700" cap="flat" cmpd="sng" algn="ctr">
+                      <a:solidFill>
+                        <a:schemeClr val="tx1"/>
+                      </a:solidFill>
+                      <a:prstDash val="solid"/>
+                      <a:round/>
+                      <a:headEnd type="none" w="med" len="med"/>
+                      <a:tailEnd type="none" w="med" len="med"/>
+                    </a:lnR>
+                    <a:lnT w="12700" cap="flat" cmpd="sng" algn="ctr">
+                      <a:noFill/>
+                      <a:prstDash val="solid"/>
+                      <a:round/>
+                      <a:headEnd type="none" w="med" len="med"/>
+                      <a:tailEnd type="none" w="med" len="med"/>
+                    </a:lnT>
+                    <a:lnB w="12700" cap="flat" cmpd="sng" algn="ctr">
+                      <a:noFill/>
+                      <a:prstDash val="solid"/>
+                      <a:round/>
+                      <a:headEnd type="none" w="med" len="med"/>
+                      <a:tailEnd type="none" w="med" len="med"/>
+                    </a:lnB>
+                    <a:lnTlToBr w="12700" cmpd="sng">
+                      <a:noFill/>
+                      <a:prstDash val="solid"/>
+                    </a:lnTlToBr>
+                    <a:lnBlToTr w="12700" cmpd="sng">
+                      <a:noFill/>
+                      <a:prstDash val="solid"/>
+                    </a:lnBlToTr>
+                  </a:tcPr>
+                </a:tc>
+                <a:tc hMerge="1">
+                  <a:txBody>
+                    <a:bodyPr/>
+                    <a:lstStyle/>
+                    <a:p>
+                      <a:endParaRPr lang="en-US"/>
+                    </a:p>
+                  </a:txBody>
+                  <a:tcPr/>
                 </a:tc>
               </a:tr>
               <a:tr h="144405">
@@ -4396,7 +4484,6 @@
                         <a:rPr lang="en-US" sz="1100" b="0" dirty="0" smtClean="0"/>
                         <a:t>example:ttp-d1c612bc-146f-4b65-b7b0-9a54a14150a4</a:t>
                       </a:r>
-                      <a:endParaRPr lang="en-US" sz="1100" b="0" dirty="0" smtClean="0"/>
                     </a:p>
                   </a:txBody>
                   <a:tcPr>
@@ -4505,7 +4592,6 @@
                         <a:rPr lang="en-US" sz="1100" b="0" dirty="0" smtClean="0"/>
                         <a:t>Leverages Malware</a:t>
                       </a:r>
-                      <a:endParaRPr lang="en-US" sz="1100" b="0" dirty="0" smtClean="0"/>
                     </a:p>
                   </a:txBody>
                   <a:tcPr>
@@ -4755,7 +4841,6 @@
                         <a:rPr lang="en-US" sz="1100" b="0" dirty="0" smtClean="0"/>
                         <a:t>example:ttp-8ac90ff3-ecf8-4835-95b8-6aea6a623df5</a:t>
                       </a:r>
-                      <a:endParaRPr lang="en-US" sz="1100" b="0" dirty="0" smtClean="0"/>
                     </a:p>
                   </a:txBody>
                   <a:tcPr>
@@ -4830,7 +4915,6 @@
                         <a:rPr lang="en-US" sz="1100" dirty="0" smtClean="0"/>
                         <a:t>Adversary Bravo Phishing</a:t>
                       </a:r>
-                      <a:endParaRPr lang="en-US" sz="1100" dirty="0" smtClean="0"/>
                     </a:p>
                   </a:txBody>
                   <a:tcPr>
@@ -5096,11 +5180,6 @@
                         </a:rPr>
                         <a:t>CAPEC-98</a:t>
                       </a:r>
-                      <a:endParaRPr lang="en-US" sz="1100" b="0" dirty="0" smtClean="0">
-                        <a:solidFill>
-                          <a:schemeClr val="tx1"/>
-                        </a:solidFill>
-                      </a:endParaRPr>
                     </a:p>
                   </a:txBody>
                   <a:tcPr>
@@ -5466,7 +5545,6 @@
                         <a:rPr lang="en-US" sz="1100" b="0" dirty="0" smtClean="0"/>
                         <a:t>example:ttp-d1c612bc-146f-4b65-b7b0-9a54a14150a4</a:t>
                       </a:r>
-                      <a:endParaRPr lang="en-US" sz="1100" b="0" dirty="0" smtClean="0"/>
                     </a:p>
                   </a:txBody>
                   <a:tcPr>
@@ -5551,7 +5629,6 @@
                         <a:rPr lang="en-US" sz="1100" dirty="0" smtClean="0"/>
                         <a:t>Adversary Bravo PIVY Instance</a:t>
                       </a:r>
-                      <a:endParaRPr lang="en-US" sz="1100" dirty="0" smtClean="0"/>
                     </a:p>
                   </a:txBody>
                   <a:tcPr>
@@ -5853,21 +5930,8 @@
                             <a:schemeClr val="tx1"/>
                           </a:solidFill>
                         </a:rPr>
-                        <a:t>Poison </a:t>
+                        <a:t>Poison Ivy Variant d1c6</a:t>
                       </a:r>
-                      <a:r>
-                        <a:rPr lang="en-US" sz="1100" b="0" dirty="0" smtClean="0">
-                          <a:solidFill>
-                            <a:schemeClr val="tx1"/>
-                          </a:solidFill>
-                        </a:rPr>
-                        <a:t>Ivy Variant d1c6</a:t>
-                      </a:r>
-                      <a:endParaRPr lang="en-US" sz="1100" b="0" dirty="0" smtClean="0">
-                        <a:solidFill>
-                          <a:schemeClr val="tx1"/>
-                        </a:solidFill>
-                      </a:endParaRPr>
                     </a:p>
                   </a:txBody>
                   <a:tcPr>
@@ -6236,8 +6300,8 @@
         </p:nvCxnSpPr>
         <p:spPr>
           <a:xfrm>
-            <a:off x="4552950" y="5076825"/>
-            <a:ext cx="971550" cy="0"/>
+            <a:off x="4533900" y="5334000"/>
+            <a:ext cx="990600" cy="0"/>
           </a:xfrm>
           <a:prstGeom prst="line">
             <a:avLst/>
@@ -6273,7 +6337,7 @@
         <p:spPr>
           <a:xfrm>
             <a:off x="5524500" y="4695825"/>
-            <a:ext cx="0" cy="381000"/>
+            <a:ext cx="0" cy="638175"/>
           </a:xfrm>
           <a:prstGeom prst="line">
             <a:avLst/>

--- a/idioms/threat-actor/leveraged-ttp/diagram.pptx
+++ b/idioms/threat-actor/leveraged-ttp/diagram.pptx
@@ -288,7 +288,7 @@
           <a:p>
             <a:fld id="{13F24B86-36D2-4655-BE2F-98B661AC85E1}" type="datetimeFigureOut">
               <a:rPr lang="en-US" smtClean="0"/>
-              <a:t>3/27/2014</a:t>
+              <a:t>3/30/14</a:t>
             </a:fld>
             <a:endParaRPr lang="en-US"/>
           </a:p>
@@ -458,7 +458,7 @@
           <a:p>
             <a:fld id="{13F24B86-36D2-4655-BE2F-98B661AC85E1}" type="datetimeFigureOut">
               <a:rPr lang="en-US" smtClean="0"/>
-              <a:t>3/27/2014</a:t>
+              <a:t>3/30/14</a:t>
             </a:fld>
             <a:endParaRPr lang="en-US"/>
           </a:p>
@@ -638,7 +638,7 @@
           <a:p>
             <a:fld id="{13F24B86-36D2-4655-BE2F-98B661AC85E1}" type="datetimeFigureOut">
               <a:rPr lang="en-US" smtClean="0"/>
-              <a:t>3/27/2014</a:t>
+              <a:t>3/30/14</a:t>
             </a:fld>
             <a:endParaRPr lang="en-US"/>
           </a:p>
@@ -808,7 +808,7 @@
           <a:p>
             <a:fld id="{13F24B86-36D2-4655-BE2F-98B661AC85E1}" type="datetimeFigureOut">
               <a:rPr lang="en-US" smtClean="0"/>
-              <a:t>3/27/2014</a:t>
+              <a:t>3/30/14</a:t>
             </a:fld>
             <a:endParaRPr lang="en-US"/>
           </a:p>
@@ -1054,7 +1054,7 @@
           <a:p>
             <a:fld id="{13F24B86-36D2-4655-BE2F-98B661AC85E1}" type="datetimeFigureOut">
               <a:rPr lang="en-US" smtClean="0"/>
-              <a:t>3/27/2014</a:t>
+              <a:t>3/30/14</a:t>
             </a:fld>
             <a:endParaRPr lang="en-US"/>
           </a:p>
@@ -1342,7 +1342,7 @@
           <a:p>
             <a:fld id="{13F24B86-36D2-4655-BE2F-98B661AC85E1}" type="datetimeFigureOut">
               <a:rPr lang="en-US" smtClean="0"/>
-              <a:t>3/27/2014</a:t>
+              <a:t>3/30/14</a:t>
             </a:fld>
             <a:endParaRPr lang="en-US"/>
           </a:p>
@@ -1764,7 +1764,7 @@
           <a:p>
             <a:fld id="{13F24B86-36D2-4655-BE2F-98B661AC85E1}" type="datetimeFigureOut">
               <a:rPr lang="en-US" smtClean="0"/>
-              <a:t>3/27/2014</a:t>
+              <a:t>3/30/14</a:t>
             </a:fld>
             <a:endParaRPr lang="en-US"/>
           </a:p>
@@ -1882,7 +1882,7 @@
           <a:p>
             <a:fld id="{13F24B86-36D2-4655-BE2F-98B661AC85E1}" type="datetimeFigureOut">
               <a:rPr lang="en-US" smtClean="0"/>
-              <a:t>3/27/2014</a:t>
+              <a:t>3/30/14</a:t>
             </a:fld>
             <a:endParaRPr lang="en-US"/>
           </a:p>
@@ -1977,7 +1977,7 @@
           <a:p>
             <a:fld id="{13F24B86-36D2-4655-BE2F-98B661AC85E1}" type="datetimeFigureOut">
               <a:rPr lang="en-US" smtClean="0"/>
-              <a:t>3/27/2014</a:t>
+              <a:t>3/30/14</a:t>
             </a:fld>
             <a:endParaRPr lang="en-US"/>
           </a:p>
@@ -2254,7 +2254,7 @@
           <a:p>
             <a:fld id="{13F24B86-36D2-4655-BE2F-98B661AC85E1}" type="datetimeFigureOut">
               <a:rPr lang="en-US" smtClean="0"/>
-              <a:t>3/27/2014</a:t>
+              <a:t>3/30/14</a:t>
             </a:fld>
             <a:endParaRPr lang="en-US"/>
           </a:p>
@@ -2507,7 +2507,7 @@
           <a:p>
             <a:fld id="{13F24B86-36D2-4655-BE2F-98B661AC85E1}" type="datetimeFigureOut">
               <a:rPr lang="en-US" smtClean="0"/>
-              <a:t>3/27/2014</a:t>
+              <a:t>3/30/14</a:t>
             </a:fld>
             <a:endParaRPr lang="en-US"/>
           </a:p>
@@ -2720,7 +2720,7 @@
           <a:p>
             <a:fld id="{13F24B86-36D2-4655-BE2F-98B661AC85E1}" type="datetimeFigureOut">
               <a:rPr lang="en-US" smtClean="0"/>
-              <a:t>3/27/2014</a:t>
+              <a:t>3/30/14</a:t>
             </a:fld>
             <a:endParaRPr lang="en-US"/>
           </a:p>
@@ -3104,7 +3104,7 @@
           <p:nvPr>
             <p:extLst>
               <p:ext uri="{D42A27DB-BD31-4B8C-83A1-F6EECF244321}">
-                <p14:modId xmlns:p14="http://schemas.microsoft.com/office/powerpoint/2010/main" val="2252262906"/>
+                <p14:modId xmlns:p14="http://schemas.microsoft.com/office/powerpoint/2010/main" val="941963398"/>
               </p:ext>
             </p:extLst>
           </p:nvPr>
@@ -4663,14 +4663,14 @@
           <p:nvPr>
             <p:extLst>
               <p:ext uri="{D42A27DB-BD31-4B8C-83A1-F6EECF244321}">
-                <p14:modId xmlns:p14="http://schemas.microsoft.com/office/powerpoint/2010/main" val="4037736104"/>
+                <p14:modId xmlns:p14="http://schemas.microsoft.com/office/powerpoint/2010/main" val="1913259055"/>
               </p:ext>
             </p:extLst>
           </p:nvPr>
         </p:nvGraphicFramePr>
         <p:xfrm>
           <a:off x="5727564" y="1676381"/>
-          <a:ext cx="4426492" cy="2225040"/>
+          <a:ext cx="4426492" cy="2057400"/>
         </p:xfrm>
         <a:graphic>
           <a:graphicData uri="http://schemas.openxmlformats.org/drawingml/2006/table">
@@ -4913,8 +4913,9 @@
                     <a:p>
                       <a:r>
                         <a:rPr lang="en-US" sz="1100" dirty="0" smtClean="0"/>
-                        <a:t>Adversary Bravo Phishing</a:t>
+                        <a:t>Phishing</a:t>
                       </a:r>
+                      <a:endParaRPr lang="en-US" sz="1100" dirty="0" smtClean="0"/>
                     </a:p>
                   </a:txBody>
                   <a:tcPr>
@@ -5280,15 +5281,7 @@
                             <a:schemeClr val="tx1"/>
                           </a:solidFill>
                         </a:rPr>
-                        <a:t>Adversary Bravo’s primary</a:t>
-                      </a:r>
-                      <a:r>
-                        <a:rPr lang="en-US" sz="1100" b="0" baseline="0" dirty="0" smtClean="0">
-                          <a:solidFill>
-                            <a:schemeClr val="tx1"/>
-                          </a:solidFill>
-                        </a:rPr>
-                        <a:t> malware deliver mechanism is through untargeted phishing.</a:t>
+                        <a:t>Phishing</a:t>
                       </a:r>
                       <a:endParaRPr lang="en-US" sz="1100" b="0" dirty="0" smtClean="0">
                         <a:solidFill>
@@ -5356,7 +5349,7 @@
           <p:nvPr>
             <p:extLst>
               <p:ext uri="{D42A27DB-BD31-4B8C-83A1-F6EECF244321}">
-                <p14:modId xmlns:p14="http://schemas.microsoft.com/office/powerpoint/2010/main" val="1325150823"/>
+                <p14:modId xmlns:p14="http://schemas.microsoft.com/office/powerpoint/2010/main" val="1830423019"/>
               </p:ext>
             </p:extLst>
           </p:nvPr>
@@ -5626,9 +5619,18 @@
                     <a:lstStyle/>
                     <a:p>
                       <a:r>
-                        <a:rPr lang="en-US" sz="1100" dirty="0" smtClean="0"/>
-                        <a:t>Adversary Bravo PIVY Instance</a:t>
+                        <a:rPr lang="en-US" sz="1100" b="0" dirty="0" smtClean="0">
+                          <a:solidFill>
+                            <a:schemeClr val="tx1"/>
+                          </a:solidFill>
+                        </a:rPr>
+                        <a:t>Poison Ivy Variant d1c6</a:t>
                       </a:r>
+                      <a:endParaRPr lang="en-US" sz="1100" b="0" dirty="0" smtClean="0">
+                        <a:solidFill>
+                          <a:schemeClr val="tx1"/>
+                        </a:solidFill>
+                      </a:endParaRPr>
                     </a:p>
                   </a:txBody>
                   <a:tcPr>
